--- a/Daily Agendas/Day1.4 GraphicalAnalysis.pptx
+++ b/Daily Agendas/Day1.4 GraphicalAnalysis.pptx
@@ -6,6 +6,7 @@
   </p:sldMasterIdLst>
   <p:sldIdLst>
     <p:sldId id="257" r:id="rId2"/>
+    <p:sldId id="258" r:id="rId3"/>
   </p:sldIdLst>
   <p:sldSz cx="9144000" cy="6858000" type="screen4x3"/>
   <p:notesSz cx="6858000" cy="9144000"/>
@@ -243,7 +244,7 @@
           <a:p>
             <a:fld id="{DBFDDC6D-30E6-4591-A5D6-EBA4A0A375E4}" type="datetimeFigureOut">
               <a:rPr lang="en-US" smtClean="0"/>
-              <a:t>2/5/2020</a:t>
+              <a:t>2/6/2020</a:t>
             </a:fld>
             <a:endParaRPr lang="en-US"/>
           </a:p>
@@ -413,7 +414,7 @@
           <a:p>
             <a:fld id="{DBFDDC6D-30E6-4591-A5D6-EBA4A0A375E4}" type="datetimeFigureOut">
               <a:rPr lang="en-US" smtClean="0"/>
-              <a:t>2/5/2020</a:t>
+              <a:t>2/6/2020</a:t>
             </a:fld>
             <a:endParaRPr lang="en-US"/>
           </a:p>
@@ -593,7 +594,7 @@
           <a:p>
             <a:fld id="{DBFDDC6D-30E6-4591-A5D6-EBA4A0A375E4}" type="datetimeFigureOut">
               <a:rPr lang="en-US" smtClean="0"/>
-              <a:t>2/5/2020</a:t>
+              <a:t>2/6/2020</a:t>
             </a:fld>
             <a:endParaRPr lang="en-US"/>
           </a:p>
@@ -763,7 +764,7 @@
           <a:p>
             <a:fld id="{DBFDDC6D-30E6-4591-A5D6-EBA4A0A375E4}" type="datetimeFigureOut">
               <a:rPr lang="en-US" smtClean="0"/>
-              <a:t>2/5/2020</a:t>
+              <a:t>2/6/2020</a:t>
             </a:fld>
             <a:endParaRPr lang="en-US"/>
           </a:p>
@@ -1007,7 +1008,7 @@
           <a:p>
             <a:fld id="{DBFDDC6D-30E6-4591-A5D6-EBA4A0A375E4}" type="datetimeFigureOut">
               <a:rPr lang="en-US" smtClean="0"/>
-              <a:t>2/5/2020</a:t>
+              <a:t>2/6/2020</a:t>
             </a:fld>
             <a:endParaRPr lang="en-US"/>
           </a:p>
@@ -1239,7 +1240,7 @@
           <a:p>
             <a:fld id="{DBFDDC6D-30E6-4591-A5D6-EBA4A0A375E4}" type="datetimeFigureOut">
               <a:rPr lang="en-US" smtClean="0"/>
-              <a:t>2/5/2020</a:t>
+              <a:t>2/6/2020</a:t>
             </a:fld>
             <a:endParaRPr lang="en-US"/>
           </a:p>
@@ -1606,7 +1607,7 @@
           <a:p>
             <a:fld id="{DBFDDC6D-30E6-4591-A5D6-EBA4A0A375E4}" type="datetimeFigureOut">
               <a:rPr lang="en-US" smtClean="0"/>
-              <a:t>2/5/2020</a:t>
+              <a:t>2/6/2020</a:t>
             </a:fld>
             <a:endParaRPr lang="en-US"/>
           </a:p>
@@ -1724,7 +1725,7 @@
           <a:p>
             <a:fld id="{DBFDDC6D-30E6-4591-A5D6-EBA4A0A375E4}" type="datetimeFigureOut">
               <a:rPr lang="en-US" smtClean="0"/>
-              <a:t>2/5/2020</a:t>
+              <a:t>2/6/2020</a:t>
             </a:fld>
             <a:endParaRPr lang="en-US"/>
           </a:p>
@@ -1819,7 +1820,7 @@
           <a:p>
             <a:fld id="{DBFDDC6D-30E6-4591-A5D6-EBA4A0A375E4}" type="datetimeFigureOut">
               <a:rPr lang="en-US" smtClean="0"/>
-              <a:t>2/5/2020</a:t>
+              <a:t>2/6/2020</a:t>
             </a:fld>
             <a:endParaRPr lang="en-US"/>
           </a:p>
@@ -2096,7 +2097,7 @@
           <a:p>
             <a:fld id="{DBFDDC6D-30E6-4591-A5D6-EBA4A0A375E4}" type="datetimeFigureOut">
               <a:rPr lang="en-US" smtClean="0"/>
-              <a:t>2/5/2020</a:t>
+              <a:t>2/6/2020</a:t>
             </a:fld>
             <a:endParaRPr lang="en-US"/>
           </a:p>
@@ -2353,7 +2354,7 @@
           <a:p>
             <a:fld id="{DBFDDC6D-30E6-4591-A5D6-EBA4A0A375E4}" type="datetimeFigureOut">
               <a:rPr lang="en-US" smtClean="0"/>
-              <a:t>2/5/2020</a:t>
+              <a:t>2/6/2020</a:t>
             </a:fld>
             <a:endParaRPr lang="en-US"/>
           </a:p>
@@ -2566,7 +2567,7 @@
           <a:p>
             <a:fld id="{DBFDDC6D-30E6-4591-A5D6-EBA4A0A375E4}" type="datetimeFigureOut">
               <a:rPr lang="en-US" smtClean="0"/>
-              <a:t>2/5/2020</a:t>
+              <a:t>2/6/2020</a:t>
             </a:fld>
             <a:endParaRPr lang="en-US"/>
           </a:p>
@@ -3015,7 +3016,7 @@
         <p:spPr/>
         <p:txBody>
           <a:bodyPr>
-            <a:normAutofit fontScale="92500" lnSpcReduction="20000"/>
+            <a:normAutofit fontScale="85000" lnSpcReduction="20000"/>
           </a:bodyPr>
           <a:lstStyle/>
           <a:p>
@@ -3028,15 +3029,47 @@
             <a:pPr lvl="1"/>
             <a:r>
               <a:rPr lang="en-CA" dirty="0"/>
-              <a:t>Unit Outline</a:t>
-            </a:r>
+              <a:t>Unit </a:t>
+            </a:r>
+            <a:r>
+              <a:rPr lang="en-CA" dirty="0" smtClean="0"/>
+              <a:t>Outline</a:t>
+            </a:r>
+          </a:p>
+          <a:p>
+            <a:pPr lvl="1"/>
+            <a:r>
+              <a:rPr lang="en-CA" dirty="0" smtClean="0"/>
+              <a:t>Variables </a:t>
+            </a:r>
+            <a:r>
+              <a:rPr lang="en-CA" dirty="0"/>
+              <a:t>Lab </a:t>
+            </a:r>
+            <a:endParaRPr lang="en-CA" dirty="0" smtClean="0"/>
           </a:p>
           <a:p>
             <a:pPr lvl="2"/>
             <a:r>
+              <a:rPr lang="en-CA" dirty="0" smtClean="0"/>
+              <a:t>Choose </a:t>
+            </a:r>
+            <a:r>
               <a:rPr lang="en-CA" dirty="0"/>
-              <a:t>Variables Lab – Choose Option 1, 2, or 3</a:t>
-            </a:r>
+              <a:t>Option 1, 2, or </a:t>
+            </a:r>
+            <a:r>
+              <a:rPr lang="en-CA" dirty="0" smtClean="0"/>
+              <a:t>3</a:t>
+            </a:r>
+          </a:p>
+          <a:p>
+            <a:pPr lvl="2"/>
+            <a:r>
+              <a:rPr lang="en-CA" dirty="0" smtClean="0"/>
+              <a:t>Prepare Lab Book</a:t>
+            </a:r>
+            <a:endParaRPr lang="en-CA" dirty="0"/>
           </a:p>
           <a:p>
             <a:pPr lvl="1"/>
@@ -3111,6 +3144,158 @@
     <p:extLst>
       <p:ext uri="{BB962C8B-B14F-4D97-AF65-F5344CB8AC3E}">
         <p14:creationId xmlns:p14="http://schemas.microsoft.com/office/powerpoint/2010/main" val="1209346082"/>
+      </p:ext>
+    </p:extLst>
+  </p:cSld>
+  <p:clrMapOvr>
+    <a:masterClrMapping/>
+  </p:clrMapOvr>
+</p:sld>
+</file>
+
+<file path=ppt/slides/slide2.xml><?xml version="1.0" encoding="utf-8"?>
+<p:sld xmlns:a="http://schemas.openxmlformats.org/drawingml/2006/main" xmlns:r="http://schemas.openxmlformats.org/officeDocument/2006/relationships" xmlns:p="http://schemas.openxmlformats.org/presentationml/2006/main">
+  <p:cSld>
+    <p:spTree>
+      <p:nvGrpSpPr>
+        <p:cNvPr id="1" name=""/>
+        <p:cNvGrpSpPr/>
+        <p:nvPr/>
+      </p:nvGrpSpPr>
+      <p:grpSpPr>
+        <a:xfrm>
+          <a:off x="0" y="0"/>
+          <a:ext cx="0" cy="0"/>
+          <a:chOff x="0" y="0"/>
+          <a:chExt cx="0" cy="0"/>
+        </a:xfrm>
+      </p:grpSpPr>
+      <p:sp>
+        <p:nvSpPr>
+          <p:cNvPr id="2" name="Title 1"/>
+          <p:cNvSpPr>
+            <a:spLocks noGrp="1"/>
+          </p:cNvSpPr>
+          <p:nvPr>
+            <p:ph type="title"/>
+          </p:nvPr>
+        </p:nvSpPr>
+        <p:spPr/>
+        <p:txBody>
+          <a:bodyPr/>
+          <a:lstStyle/>
+          <a:p>
+            <a:r>
+              <a:rPr lang="en-CA" dirty="0" smtClean="0"/>
+              <a:t>Lab Book</a:t>
+            </a:r>
+            <a:endParaRPr lang="en-US" dirty="0"/>
+          </a:p>
+        </p:txBody>
+      </p:sp>
+      <p:sp>
+        <p:nvSpPr>
+          <p:cNvPr id="3" name="Content Placeholder 2"/>
+          <p:cNvSpPr>
+            <a:spLocks noGrp="1"/>
+          </p:cNvSpPr>
+          <p:nvPr>
+            <p:ph idx="1"/>
+          </p:nvPr>
+        </p:nvSpPr>
+        <p:spPr/>
+        <p:txBody>
+          <a:bodyPr>
+            <a:normAutofit lnSpcReduction="10000"/>
+          </a:bodyPr>
+          <a:lstStyle/>
+          <a:p>
+            <a:r>
+              <a:rPr lang="en-CA" dirty="0" smtClean="0"/>
+              <a:t>Reserve First Page For Table Of Contents</a:t>
+            </a:r>
+          </a:p>
+          <a:p>
+            <a:pPr lvl="1"/>
+            <a:r>
+              <a:rPr lang="en-CA" dirty="0" smtClean="0"/>
+              <a:t>Number All Pages NOW</a:t>
+            </a:r>
+          </a:p>
+          <a:p>
+            <a:pPr lvl="1"/>
+            <a:endParaRPr lang="en-CA" dirty="0" smtClean="0"/>
+          </a:p>
+          <a:p>
+            <a:r>
+              <a:rPr lang="en-CA" dirty="0" smtClean="0"/>
+              <a:t>Used For Pre-Lab Work </a:t>
+            </a:r>
+          </a:p>
+          <a:p>
+            <a:pPr marL="914400" lvl="1" indent="-457200">
+              <a:buFont typeface="+mj-lt"/>
+              <a:buAutoNum type="alphaLcParenR"/>
+            </a:pPr>
+            <a:r>
+              <a:rPr lang="en-CA" dirty="0" smtClean="0"/>
+              <a:t>Purpose</a:t>
+            </a:r>
+          </a:p>
+          <a:p>
+            <a:pPr marL="914400" lvl="1" indent="-457200">
+              <a:buFont typeface="+mj-lt"/>
+              <a:buAutoNum type="alphaLcParenR"/>
+            </a:pPr>
+            <a:r>
+              <a:rPr lang="en-CA" dirty="0" smtClean="0"/>
+              <a:t>Hypothesis</a:t>
+            </a:r>
+          </a:p>
+          <a:p>
+            <a:pPr marL="914400" lvl="1" indent="-457200">
+              <a:buFont typeface="+mj-lt"/>
+              <a:buAutoNum type="alphaLcParenR"/>
+            </a:pPr>
+            <a:r>
+              <a:rPr lang="en-CA" dirty="0" smtClean="0"/>
+              <a:t>Materials</a:t>
+            </a:r>
+          </a:p>
+          <a:p>
+            <a:pPr marL="914400" lvl="1" indent="-457200">
+              <a:buFont typeface="+mj-lt"/>
+              <a:buAutoNum type="alphaLcParenR"/>
+            </a:pPr>
+            <a:r>
+              <a:rPr lang="en-CA" dirty="0" smtClean="0"/>
+              <a:t>Procedure</a:t>
+            </a:r>
+          </a:p>
+          <a:p>
+            <a:pPr lvl="1"/>
+            <a:endParaRPr lang="en-CA" dirty="0"/>
+          </a:p>
+          <a:p>
+            <a:r>
+              <a:rPr lang="en-CA" dirty="0" smtClean="0"/>
+              <a:t> Used For Data Collection</a:t>
+            </a:r>
+          </a:p>
+          <a:p>
+            <a:pPr lvl="1"/>
+            <a:r>
+              <a:rPr lang="en-CA" dirty="0" smtClean="0"/>
+              <a:t>Prepare data table in advance</a:t>
+            </a:r>
+            <a:endParaRPr lang="en-US" dirty="0"/>
+          </a:p>
+        </p:txBody>
+      </p:sp>
+    </p:spTree>
+    <p:extLst>
+      <p:ext uri="{BB962C8B-B14F-4D97-AF65-F5344CB8AC3E}">
+        <p14:creationId xmlns:p14="http://schemas.microsoft.com/office/powerpoint/2010/main" val="2617223683"/>
       </p:ext>
     </p:extLst>
   </p:cSld>
